--- a/static/temp-to-revise/07_occ-multistate-projections-revised.pptx
+++ b/static/temp-to-revise/07_occ-multistate-projections-revised.pptx
@@ -128,14 +128,14 @@
   </p:defaultTextStyle>
   <p:extLst>
     <p:ext uri="{EFAFB233-063F-42B5-8137-9DF3F51BA10A}">
-      <p15:sldGuideLst xmlns:p15="http://schemas.microsoft.com/office/powerpoint/2012/main"/>
+      <p15:sldGuideLst xmlns:p15="http://schemas.microsoft.com/office/powerpoint/2012/main" xmlns=""/>
     </p:ext>
   </p:extLst>
 </p:presentation>
 </file>
 
 <file path=ppt/charts/chart1.xml><?xml version="1.0" encoding="utf-8"?>
-<c:chartSpace xmlns:c="http://schemas.openxmlformats.org/drawingml/2006/chart" xmlns:a="http://schemas.openxmlformats.org/drawingml/2006/main" xmlns:r="http://schemas.openxmlformats.org/officeDocument/2006/relationships" xmlns:c16r2="http://schemas.microsoft.com/office/drawing/2015/06/chart">
+<c:chartSpace xmlns:c="http://schemas.openxmlformats.org/drawingml/2006/chart" xmlns:a="http://schemas.openxmlformats.org/drawingml/2006/main" xmlns:r="http://schemas.openxmlformats.org/officeDocument/2006/relationships">
   <c:date1904 val="0"/>
   <c:lang val="en-US"/>
   <c:roundedCorners val="0"/>
@@ -164,6 +164,7 @@
           </a:p>
         </c:rich>
       </c:tx>
+      <c:layout/>
       <c:overlay val="0"/>
     </c:title>
     <c:autoTitleDeleted val="0"/>
@@ -279,7 +280,7 @@
             </c:numRef>
           </c:yVal>
           <c:smooth val="0"/>
-          <c:extLst>
+          <c:extLst xmlns:c16r2="http://schemas.microsoft.com/office/drawing/2015/06/chart">
             <c:ext xmlns:c16="http://schemas.microsoft.com/office/drawing/2014/chart" uri="{C3380CC4-5D6E-409C-BE32-E72D297353CC}">
               <c16:uniqueId val="{00000000-7D30-4380-A8B9-4D118721D671}"/>
             </c:ext>
@@ -293,11 +294,11 @@
           <c:showPercent val="0"/>
           <c:showBubbleSize val="0"/>
         </c:dLbls>
-        <c:axId val="143094144"/>
-        <c:axId val="143095680"/>
+        <c:axId val="40853888"/>
+        <c:axId val="40856192"/>
       </c:scatterChart>
       <c:valAx>
-        <c:axId val="143094144"/>
+        <c:axId val="40853888"/>
         <c:scaling>
           <c:orientation val="minMax"/>
         </c:scaling>
@@ -319,18 +320,19 @@
               </a:p>
             </c:rich>
           </c:tx>
+          <c:layout/>
           <c:overlay val="0"/>
         </c:title>
         <c:numFmt formatCode="General" sourceLinked="1"/>
         <c:majorTickMark val="out"/>
         <c:minorTickMark val="none"/>
         <c:tickLblPos val="nextTo"/>
-        <c:crossAx val="143095680"/>
+        <c:crossAx val="40856192"/>
         <c:crosses val="autoZero"/>
         <c:crossBetween val="midCat"/>
       </c:valAx>
       <c:valAx>
-        <c:axId val="143095680"/>
+        <c:axId val="40856192"/>
         <c:scaling>
           <c:orientation val="minMax"/>
         </c:scaling>
@@ -352,13 +354,14 @@
               </a:p>
             </c:rich>
           </c:tx>
+          <c:layout/>
           <c:overlay val="0"/>
         </c:title>
         <c:numFmt formatCode="General" sourceLinked="1"/>
         <c:majorTickMark val="out"/>
         <c:minorTickMark val="none"/>
         <c:tickLblPos val="nextTo"/>
-        <c:crossAx val="143094144"/>
+        <c:crossAx val="40853888"/>
         <c:crosses val="autoZero"/>
         <c:crossBetween val="midCat"/>
       </c:valAx>
@@ -465,7 +468,7 @@
           <a:p>
             <a:fld id="{9320C17E-5DE9-43BD-B7D3-AE1A028382C4}" type="datetimeFigureOut">
               <a:rPr lang="en-US" smtClean="0"/>
-              <a:t>9/17/2018</a:t>
+              <a:t>9/18/2018</a:t>
             </a:fld>
             <a:endParaRPr lang="en-US"/>
           </a:p>
@@ -948,7 +951,7 @@
           <a:p>
             <a:fld id="{979040C2-4B67-4C2B-A677-1E0CED48D36C}" type="datetimeFigureOut">
               <a:rPr lang="en-US" smtClean="0"/>
-              <a:t>9/17/2018</a:t>
+              <a:t>9/18/2018</a:t>
             </a:fld>
             <a:endParaRPr lang="en-US"/>
           </a:p>
@@ -1116,7 +1119,7 @@
           <a:p>
             <a:fld id="{979040C2-4B67-4C2B-A677-1E0CED48D36C}" type="datetimeFigureOut">
               <a:rPr lang="en-US" smtClean="0"/>
-              <a:t>9/17/2018</a:t>
+              <a:t>9/18/2018</a:t>
             </a:fld>
             <a:endParaRPr lang="en-US"/>
           </a:p>
@@ -1294,7 +1297,7 @@
           <a:p>
             <a:fld id="{979040C2-4B67-4C2B-A677-1E0CED48D36C}" type="datetimeFigureOut">
               <a:rPr lang="en-US" smtClean="0"/>
-              <a:t>9/17/2018</a:t>
+              <a:t>9/18/2018</a:t>
             </a:fld>
             <a:endParaRPr lang="en-US"/>
           </a:p>
@@ -1462,7 +1465,7 @@
           <a:p>
             <a:fld id="{979040C2-4B67-4C2B-A677-1E0CED48D36C}" type="datetimeFigureOut">
               <a:rPr lang="en-US" smtClean="0"/>
-              <a:t>9/17/2018</a:t>
+              <a:t>9/18/2018</a:t>
             </a:fld>
             <a:endParaRPr lang="en-US"/>
           </a:p>
@@ -1707,7 +1710,7 @@
           <a:p>
             <a:fld id="{979040C2-4B67-4C2B-A677-1E0CED48D36C}" type="datetimeFigureOut">
               <a:rPr lang="en-US" smtClean="0"/>
-              <a:t>9/17/2018</a:t>
+              <a:t>9/18/2018</a:t>
             </a:fld>
             <a:endParaRPr lang="en-US"/>
           </a:p>
@@ -1936,7 +1939,7 @@
           <a:p>
             <a:fld id="{979040C2-4B67-4C2B-A677-1E0CED48D36C}" type="datetimeFigureOut">
               <a:rPr lang="en-US" smtClean="0"/>
-              <a:t>9/17/2018</a:t>
+              <a:t>9/18/2018</a:t>
             </a:fld>
             <a:endParaRPr lang="en-US"/>
           </a:p>
@@ -2300,7 +2303,7 @@
           <a:p>
             <a:fld id="{979040C2-4B67-4C2B-A677-1E0CED48D36C}" type="datetimeFigureOut">
               <a:rPr lang="en-US" smtClean="0"/>
-              <a:t>9/17/2018</a:t>
+              <a:t>9/18/2018</a:t>
             </a:fld>
             <a:endParaRPr lang="en-US"/>
           </a:p>
@@ -2417,7 +2420,7 @@
           <a:p>
             <a:fld id="{979040C2-4B67-4C2B-A677-1E0CED48D36C}" type="datetimeFigureOut">
               <a:rPr lang="en-US" smtClean="0"/>
-              <a:t>9/17/2018</a:t>
+              <a:t>9/18/2018</a:t>
             </a:fld>
             <a:endParaRPr lang="en-US"/>
           </a:p>
@@ -2512,7 +2515,7 @@
           <a:p>
             <a:fld id="{979040C2-4B67-4C2B-A677-1E0CED48D36C}" type="datetimeFigureOut">
               <a:rPr lang="en-US" smtClean="0"/>
-              <a:t>9/17/2018</a:t>
+              <a:t>9/18/2018</a:t>
             </a:fld>
             <a:endParaRPr lang="en-US"/>
           </a:p>
@@ -2787,7 +2790,7 @@
           <a:p>
             <a:fld id="{979040C2-4B67-4C2B-A677-1E0CED48D36C}" type="datetimeFigureOut">
               <a:rPr lang="en-US" smtClean="0"/>
-              <a:t>9/17/2018</a:t>
+              <a:t>9/18/2018</a:t>
             </a:fld>
             <a:endParaRPr lang="en-US"/>
           </a:p>
@@ -3039,7 +3042,7 @@
           <a:p>
             <a:fld id="{979040C2-4B67-4C2B-A677-1E0CED48D36C}" type="datetimeFigureOut">
               <a:rPr lang="en-US" smtClean="0"/>
-              <a:t>9/17/2018</a:t>
+              <a:t>9/18/2018</a:t>
             </a:fld>
             <a:endParaRPr lang="en-US"/>
           </a:p>
@@ -3250,7 +3253,7 @@
           <a:p>
             <a:fld id="{979040C2-4B67-4C2B-A677-1E0CED48D36C}" type="datetimeFigureOut">
               <a:rPr lang="en-US" smtClean="0"/>
-              <a:t>9/17/2018</a:t>
+              <a:t>9/18/2018</a:t>
             </a:fld>
             <a:endParaRPr lang="en-US"/>
           </a:p>
@@ -3933,7 +3936,7 @@
           <p:cNvPr id="4" name="Straight Arrow Connector 3">
             <a:extLst>
               <a:ext uri="{FF2B5EF4-FFF2-40B4-BE49-F238E27FC236}">
-                <a16:creationId xmlns:a16="http://schemas.microsoft.com/office/drawing/2014/main" id="{57578999-2007-4612-B5E3-49B7487484AB}"/>
+                <a16:creationId xmlns:a16="http://schemas.microsoft.com/office/drawing/2014/main" xmlns="" id="{57578999-2007-4612-B5E3-49B7487484AB}"/>
               </a:ext>
             </a:extLst>
           </p:cNvPr>
@@ -3976,7 +3979,7 @@
           <p:cNvPr id="15" name="Straight Arrow Connector 14">
             <a:extLst>
               <a:ext uri="{FF2B5EF4-FFF2-40B4-BE49-F238E27FC236}">
-                <a16:creationId xmlns:a16="http://schemas.microsoft.com/office/drawing/2014/main" id="{B75DA3DF-E577-4494-879B-157E3F9A696C}"/>
+                <a16:creationId xmlns:a16="http://schemas.microsoft.com/office/drawing/2014/main" xmlns="" id="{B75DA3DF-E577-4494-879B-157E3F9A696C}"/>
               </a:ext>
             </a:extLst>
           </p:cNvPr>
@@ -4017,7 +4020,7 @@
           <p:cNvPr id="19" name="Straight Arrow Connector 18">
             <a:extLst>
               <a:ext uri="{FF2B5EF4-FFF2-40B4-BE49-F238E27FC236}">
-                <a16:creationId xmlns:a16="http://schemas.microsoft.com/office/drawing/2014/main" id="{860841ED-6CBC-4CEA-95A5-DCD85887725E}"/>
+                <a16:creationId xmlns:a16="http://schemas.microsoft.com/office/drawing/2014/main" xmlns="" id="{860841ED-6CBC-4CEA-95A5-DCD85887725E}"/>
               </a:ext>
             </a:extLst>
           </p:cNvPr>
@@ -4060,7 +4063,7 @@
           <p:cNvPr id="22" name="Straight Arrow Connector 21">
             <a:extLst>
               <a:ext uri="{FF2B5EF4-FFF2-40B4-BE49-F238E27FC236}">
-                <a16:creationId xmlns:a16="http://schemas.microsoft.com/office/drawing/2014/main" id="{0BCBEB5B-F6D3-4357-9D00-629A65CF2E23}"/>
+                <a16:creationId xmlns:a16="http://schemas.microsoft.com/office/drawing/2014/main" xmlns="" id="{0BCBEB5B-F6D3-4357-9D00-629A65CF2E23}"/>
               </a:ext>
             </a:extLst>
           </p:cNvPr>
@@ -4103,7 +4106,7 @@
           <p:cNvPr id="26" name="Straight Arrow Connector 25">
             <a:extLst>
               <a:ext uri="{FF2B5EF4-FFF2-40B4-BE49-F238E27FC236}">
-                <a16:creationId xmlns:a16="http://schemas.microsoft.com/office/drawing/2014/main" id="{F3431638-FC0A-4D21-A0F7-1D610D46AA47}"/>
+                <a16:creationId xmlns:a16="http://schemas.microsoft.com/office/drawing/2014/main" xmlns="" id="{F3431638-FC0A-4D21-A0F7-1D610D46AA47}"/>
               </a:ext>
             </a:extLst>
           </p:cNvPr>
@@ -4146,7 +4149,7 @@
           <p:cNvPr id="29" name="Straight Arrow Connector 28">
             <a:extLst>
               <a:ext uri="{FF2B5EF4-FFF2-40B4-BE49-F238E27FC236}">
-                <a16:creationId xmlns:a16="http://schemas.microsoft.com/office/drawing/2014/main" id="{B3AC06FA-4D7D-495B-B03C-D8A701BD5A7B}"/>
+                <a16:creationId xmlns:a16="http://schemas.microsoft.com/office/drawing/2014/main" xmlns="" id="{B3AC06FA-4D7D-495B-B03C-D8A701BD5A7B}"/>
               </a:ext>
             </a:extLst>
           </p:cNvPr>
@@ -4182,14 +4185,14 @@
           </a:fontRef>
         </p:style>
       </p:cxnSp>
-      <mc:AlternateContent xmlns:mc="http://schemas.openxmlformats.org/markup-compatibility/2006">
-        <mc:Choice xmlns:a14="http://schemas.microsoft.com/office/drawing/2010/main" Requires="a14">
+      <mc:AlternateContent xmlns:mc="http://schemas.openxmlformats.org/markup-compatibility/2006" xmlns:a14="http://schemas.microsoft.com/office/drawing/2010/main">
+        <mc:Choice Requires="a14">
           <p:sp>
             <p:nvSpPr>
               <p:cNvPr id="34" name="TextBox 33">
                 <a:extLst>
                   <a:ext uri="{FF2B5EF4-FFF2-40B4-BE49-F238E27FC236}">
-                    <a16:creationId xmlns:a16="http://schemas.microsoft.com/office/drawing/2014/main" id="{35F6FD7A-9694-4C1F-9AC8-F49671237DB5}"/>
+                    <a16:creationId xmlns:a16="http://schemas.microsoft.com/office/drawing/2014/main" xmlns="" id="{35F6FD7A-9694-4C1F-9AC8-F49671237DB5}"/>
                   </a:ext>
                 </a:extLst>
               </p:cNvPr>
@@ -4223,7 +4226,7 @@
                         <m:sSubSupPr>
                           <m:ctrlPr>
                             <a:rPr lang="en-US" sz="2400" i="1" smtClean="0">
-                              <a:latin typeface="Cambria Math" panose="02040503050406030204" pitchFamily="18" charset="0"/>
+                              <a:latin typeface="Cambria Math"/>
                             </a:rPr>
                           </m:ctrlPr>
                         </m:sSubSupPr>
@@ -4260,7 +4263,7 @@
             </p:txBody>
           </p:sp>
         </mc:Choice>
-        <mc:Fallback>
+        <mc:Fallback xmlns="">
           <p:sp>
             <p:nvSpPr>
               <p:cNvPr id="34" name="TextBox 33">
@@ -4305,14 +4308,14 @@
           </p:sp>
         </mc:Fallback>
       </mc:AlternateContent>
-      <mc:AlternateContent xmlns:mc="http://schemas.openxmlformats.org/markup-compatibility/2006">
-        <mc:Choice xmlns:a14="http://schemas.microsoft.com/office/drawing/2010/main" Requires="a14">
+      <mc:AlternateContent xmlns:mc="http://schemas.openxmlformats.org/markup-compatibility/2006" xmlns:a14="http://schemas.microsoft.com/office/drawing/2010/main">
+        <mc:Choice Requires="a14">
           <p:sp>
             <p:nvSpPr>
               <p:cNvPr id="35" name="TextBox 34">
                 <a:extLst>
                   <a:ext uri="{FF2B5EF4-FFF2-40B4-BE49-F238E27FC236}">
-                    <a16:creationId xmlns:a16="http://schemas.microsoft.com/office/drawing/2014/main" id="{0D28118B-A795-4177-B0F2-1E46BB757C9E}"/>
+                    <a16:creationId xmlns:a16="http://schemas.microsoft.com/office/drawing/2014/main" xmlns="" id="{0D28118B-A795-4177-B0F2-1E46BB757C9E}"/>
                   </a:ext>
                 </a:extLst>
               </p:cNvPr>
@@ -4346,7 +4349,7 @@
                         <m:sSubSupPr>
                           <m:ctrlPr>
                             <a:rPr lang="en-US" sz="2400" i="1" smtClean="0">
-                              <a:latin typeface="Cambria Math" panose="02040503050406030204" pitchFamily="18" charset="0"/>
+                              <a:latin typeface="Cambria Math"/>
                             </a:rPr>
                           </m:ctrlPr>
                         </m:sSubSupPr>
@@ -4383,7 +4386,7 @@
             </p:txBody>
           </p:sp>
         </mc:Choice>
-        <mc:Fallback>
+        <mc:Fallback xmlns="">
           <p:sp>
             <p:nvSpPr>
               <p:cNvPr id="35" name="TextBox 34">
@@ -4428,14 +4431,14 @@
           </p:sp>
         </mc:Fallback>
       </mc:AlternateContent>
-      <mc:AlternateContent xmlns:mc="http://schemas.openxmlformats.org/markup-compatibility/2006">
-        <mc:Choice xmlns:a14="http://schemas.microsoft.com/office/drawing/2010/main" Requires="a14">
+      <mc:AlternateContent xmlns:mc="http://schemas.openxmlformats.org/markup-compatibility/2006" xmlns:a14="http://schemas.microsoft.com/office/drawing/2010/main">
+        <mc:Choice Requires="a14">
           <p:sp>
             <p:nvSpPr>
               <p:cNvPr id="36" name="TextBox 35">
                 <a:extLst>
                   <a:ext uri="{FF2B5EF4-FFF2-40B4-BE49-F238E27FC236}">
-                    <a16:creationId xmlns:a16="http://schemas.microsoft.com/office/drawing/2014/main" id="{20AF5172-59A7-4471-9A8E-97A921CF074D}"/>
+                    <a16:creationId xmlns:a16="http://schemas.microsoft.com/office/drawing/2014/main" xmlns="" id="{20AF5172-59A7-4471-9A8E-97A921CF074D}"/>
                   </a:ext>
                 </a:extLst>
               </p:cNvPr>
@@ -4469,7 +4472,7 @@
                         <m:sSubSupPr>
                           <m:ctrlPr>
                             <a:rPr lang="en-US" sz="2400" i="1" smtClean="0">
-                              <a:latin typeface="Cambria Math" panose="02040503050406030204" pitchFamily="18" charset="0"/>
+                              <a:latin typeface="Cambria Math"/>
                             </a:rPr>
                           </m:ctrlPr>
                         </m:sSubSupPr>
@@ -4506,7 +4509,7 @@
             </p:txBody>
           </p:sp>
         </mc:Choice>
-        <mc:Fallback>
+        <mc:Fallback xmlns="">
           <p:sp>
             <p:nvSpPr>
               <p:cNvPr id="36" name="TextBox 35">
@@ -4551,14 +4554,14 @@
           </p:sp>
         </mc:Fallback>
       </mc:AlternateContent>
-      <mc:AlternateContent xmlns:mc="http://schemas.openxmlformats.org/markup-compatibility/2006">
-        <mc:Choice xmlns:a14="http://schemas.microsoft.com/office/drawing/2010/main" Requires="a14">
+      <mc:AlternateContent xmlns:mc="http://schemas.openxmlformats.org/markup-compatibility/2006" xmlns:a14="http://schemas.microsoft.com/office/drawing/2010/main">
+        <mc:Choice Requires="a14">
           <p:sp>
             <p:nvSpPr>
               <p:cNvPr id="37" name="TextBox 36">
                 <a:extLst>
                   <a:ext uri="{FF2B5EF4-FFF2-40B4-BE49-F238E27FC236}">
-                    <a16:creationId xmlns:a16="http://schemas.microsoft.com/office/drawing/2014/main" id="{E269ACCC-774C-4390-BD32-A771310DB6B2}"/>
+                    <a16:creationId xmlns:a16="http://schemas.microsoft.com/office/drawing/2014/main" xmlns="" id="{E269ACCC-774C-4390-BD32-A771310DB6B2}"/>
                   </a:ext>
                 </a:extLst>
               </p:cNvPr>
@@ -4592,7 +4595,7 @@
                         <m:sSubSupPr>
                           <m:ctrlPr>
                             <a:rPr lang="en-US" sz="2400" i="1" smtClean="0">
-                              <a:latin typeface="Cambria Math" panose="02040503050406030204" pitchFamily="18" charset="0"/>
+                              <a:latin typeface="Cambria Math"/>
                             </a:rPr>
                           </m:ctrlPr>
                         </m:sSubSupPr>
@@ -4629,7 +4632,7 @@
             </p:txBody>
           </p:sp>
         </mc:Choice>
-        <mc:Fallback>
+        <mc:Fallback xmlns="">
           <p:sp>
             <p:nvSpPr>
               <p:cNvPr id="37" name="TextBox 36">
@@ -4674,14 +4677,14 @@
           </p:sp>
         </mc:Fallback>
       </mc:AlternateContent>
-      <mc:AlternateContent xmlns:mc="http://schemas.openxmlformats.org/markup-compatibility/2006">
-        <mc:Choice xmlns:a14="http://schemas.microsoft.com/office/drawing/2010/main" Requires="a14">
+      <mc:AlternateContent xmlns:mc="http://schemas.openxmlformats.org/markup-compatibility/2006" xmlns:a14="http://schemas.microsoft.com/office/drawing/2010/main">
+        <mc:Choice Requires="a14">
           <p:sp>
             <p:nvSpPr>
               <p:cNvPr id="38" name="TextBox 37">
                 <a:extLst>
                   <a:ext uri="{FF2B5EF4-FFF2-40B4-BE49-F238E27FC236}">
-                    <a16:creationId xmlns:a16="http://schemas.microsoft.com/office/drawing/2014/main" id="{2CAC86CE-8220-4566-8529-A1E86B5DACEF}"/>
+                    <a16:creationId xmlns:a16="http://schemas.microsoft.com/office/drawing/2014/main" xmlns="" id="{2CAC86CE-8220-4566-8529-A1E86B5DACEF}"/>
                   </a:ext>
                 </a:extLst>
               </p:cNvPr>
@@ -4715,7 +4718,7 @@
                         <m:sSubSupPr>
                           <m:ctrlPr>
                             <a:rPr lang="en-US" sz="2400" i="1" smtClean="0">
-                              <a:latin typeface="Cambria Math" panose="02040503050406030204" pitchFamily="18" charset="0"/>
+                              <a:latin typeface="Cambria Math"/>
                             </a:rPr>
                           </m:ctrlPr>
                         </m:sSubSupPr>
@@ -4752,7 +4755,7 @@
             </p:txBody>
           </p:sp>
         </mc:Choice>
-        <mc:Fallback>
+        <mc:Fallback xmlns="">
           <p:sp>
             <p:nvSpPr>
               <p:cNvPr id="38" name="TextBox 37">
@@ -4797,14 +4800,14 @@
           </p:sp>
         </mc:Fallback>
       </mc:AlternateContent>
-      <mc:AlternateContent xmlns:mc="http://schemas.openxmlformats.org/markup-compatibility/2006">
-        <mc:Choice xmlns:a14="http://schemas.microsoft.com/office/drawing/2010/main" Requires="a14">
+      <mc:AlternateContent xmlns:mc="http://schemas.openxmlformats.org/markup-compatibility/2006" xmlns:a14="http://schemas.microsoft.com/office/drawing/2010/main">
+        <mc:Choice Requires="a14">
           <p:sp>
             <p:nvSpPr>
               <p:cNvPr id="39" name="TextBox 38">
                 <a:extLst>
                   <a:ext uri="{FF2B5EF4-FFF2-40B4-BE49-F238E27FC236}">
-                    <a16:creationId xmlns:a16="http://schemas.microsoft.com/office/drawing/2014/main" id="{44ADF724-1B0C-47CB-B0EF-E73ECA86A7C6}"/>
+                    <a16:creationId xmlns:a16="http://schemas.microsoft.com/office/drawing/2014/main" xmlns="" id="{44ADF724-1B0C-47CB-B0EF-E73ECA86A7C6}"/>
                   </a:ext>
                 </a:extLst>
               </p:cNvPr>
@@ -4838,7 +4841,7 @@
                         <m:sSubSupPr>
                           <m:ctrlPr>
                             <a:rPr lang="en-US" sz="2400" i="1" smtClean="0">
-                              <a:latin typeface="Cambria Math" panose="02040503050406030204" pitchFamily="18" charset="0"/>
+                              <a:latin typeface="Cambria Math"/>
                             </a:rPr>
                           </m:ctrlPr>
                         </m:sSubSupPr>
@@ -4875,7 +4878,7 @@
             </p:txBody>
           </p:sp>
         </mc:Choice>
-        <mc:Fallback>
+        <mc:Fallback xmlns="">
           <p:sp>
             <p:nvSpPr>
               <p:cNvPr id="39" name="TextBox 38">
@@ -5009,7 +5012,7 @@
                           <m:endChr m:val="]"/>
                           <m:ctrlPr>
                             <a:rPr lang="en-US" sz="3600" i="1" smtClean="0">
-                              <a:latin typeface="Cambria Math" panose="02040503050406030204" pitchFamily="18" charset="0"/>
+                              <a:latin typeface="Cambria Math"/>
                             </a:rPr>
                           </m:ctrlPr>
                         </m:dPr>
@@ -5026,7 +5029,7 @@
                               </m:mcs>
                               <m:ctrlPr>
                                 <a:rPr lang="en-US" sz="3600" i="1" smtClean="0">
-                                  <a:latin typeface="Cambria Math" panose="02040503050406030204" pitchFamily="18" charset="0"/>
+                                  <a:latin typeface="Cambria Math"/>
                                 </a:rPr>
                               </m:ctrlPr>
                             </m:mPr>
@@ -5036,7 +5039,7 @@
                                   <m:sSubSupPr>
                                     <m:ctrlPr>
                                       <a:rPr lang="en-US" sz="3600" i="1" smtClean="0">
-                                        <a:latin typeface="Cambria Math" panose="02040503050406030204" pitchFamily="18" charset="0"/>
+                                        <a:latin typeface="Cambria Math"/>
                                       </a:rPr>
                                     </m:ctrlPr>
                                   </m:sSubSupPr>
@@ -5079,7 +5082,7 @@
                                   <m:sSubSupPr>
                                     <m:ctrlPr>
                                       <a:rPr lang="en-US" sz="3600" i="1">
-                                        <a:latin typeface="Cambria Math" panose="02040503050406030204" pitchFamily="18" charset="0"/>
+                                        <a:latin typeface="Cambria Math"/>
                                       </a:rPr>
                                     </m:ctrlPr>
                                   </m:sSubSupPr>
@@ -5122,7 +5125,7 @@
                                   <m:sSubSupPr>
                                     <m:ctrlPr>
                                       <a:rPr lang="en-US" sz="3600" i="1">
-                                        <a:latin typeface="Cambria Math" panose="02040503050406030204" pitchFamily="18" charset="0"/>
+                                        <a:latin typeface="Cambria Math"/>
                                       </a:rPr>
                                     </m:ctrlPr>
                                   </m:sSubSupPr>
@@ -5174,7 +5177,7 @@
                           <m:endChr m:val="]"/>
                           <m:ctrlPr>
                             <a:rPr lang="en-US" sz="3600" i="1" smtClean="0">
-                              <a:latin typeface="Cambria Math" panose="02040503050406030204" pitchFamily="18" charset="0"/>
+                              <a:latin typeface="Cambria Math"/>
                               <a:ea typeface="Cambria Math"/>
                             </a:rPr>
                           </m:ctrlPr>
@@ -5192,7 +5195,7 @@
                               </m:mcs>
                               <m:ctrlPr>
                                 <a:rPr lang="en-US" sz="3600" i="1">
-                                  <a:latin typeface="Cambria Math" panose="02040503050406030204" pitchFamily="18" charset="0"/>
+                                  <a:latin typeface="Cambria Math"/>
                                   <a:ea typeface="Cambria Math"/>
                                 </a:rPr>
                               </m:ctrlPr>
@@ -5203,7 +5206,7 @@
                                   <m:sSupPr>
                                     <m:ctrlPr>
                                       <a:rPr lang="en-US" sz="3600" i="1">
-                                        <a:latin typeface="Cambria Math" panose="02040503050406030204" pitchFamily="18" charset="0"/>
+                                        <a:latin typeface="Cambria Math"/>
                                         <a:ea typeface="Cambria Math"/>
                                       </a:rPr>
                                     </m:ctrlPr>
@@ -5233,7 +5236,7 @@
                                   <m:sSupPr>
                                     <m:ctrlPr>
                                       <a:rPr lang="en-US" sz="3600" i="1">
-                                        <a:latin typeface="Cambria Math" panose="02040503050406030204" pitchFamily="18" charset="0"/>
+                                        <a:latin typeface="Cambria Math"/>
                                         <a:ea typeface="Cambria Math"/>
                                       </a:rPr>
                                     </m:ctrlPr>
@@ -5263,7 +5266,7 @@
                                   <m:sSupPr>
                                     <m:ctrlPr>
                                       <a:rPr lang="en-US" sz="3600" i="1">
-                                        <a:latin typeface="Cambria Math" panose="02040503050406030204" pitchFamily="18" charset="0"/>
+                                        <a:latin typeface="Cambria Math"/>
                                         <a:ea typeface="Cambria Math"/>
                                       </a:rPr>
                                     </m:ctrlPr>
@@ -5295,7 +5298,7 @@
                                   <m:sSupPr>
                                     <m:ctrlPr>
                                       <a:rPr lang="en-US" sz="3600" i="1">
-                                        <a:latin typeface="Cambria Math" panose="02040503050406030204" pitchFamily="18" charset="0"/>
+                                        <a:latin typeface="Cambria Math"/>
                                         <a:ea typeface="Cambria Math"/>
                                       </a:rPr>
                                     </m:ctrlPr>
@@ -5325,7 +5328,7 @@
                                   <m:sSupPr>
                                     <m:ctrlPr>
                                       <a:rPr lang="en-US" sz="3600" i="1">
-                                        <a:latin typeface="Cambria Math" panose="02040503050406030204" pitchFamily="18" charset="0"/>
+                                        <a:latin typeface="Cambria Math"/>
                                         <a:ea typeface="Cambria Math"/>
                                       </a:rPr>
                                     </m:ctrlPr>
@@ -5355,7 +5358,7 @@
                                   <m:sSupPr>
                                     <m:ctrlPr>
                                       <a:rPr lang="en-US" sz="3600" i="1">
-                                        <a:latin typeface="Cambria Math" panose="02040503050406030204" pitchFamily="18" charset="0"/>
+                                        <a:latin typeface="Cambria Math"/>
                                         <a:ea typeface="Cambria Math"/>
                                       </a:rPr>
                                     </m:ctrlPr>
@@ -5387,7 +5390,7 @@
                                   <m:sSupPr>
                                     <m:ctrlPr>
                                       <a:rPr lang="en-US" sz="3600" i="1">
-                                        <a:latin typeface="Cambria Math" panose="02040503050406030204" pitchFamily="18" charset="0"/>
+                                        <a:latin typeface="Cambria Math"/>
                                         <a:ea typeface="Cambria Math"/>
                                       </a:rPr>
                                     </m:ctrlPr>
@@ -5417,7 +5420,7 @@
                                   <m:sSupPr>
                                     <m:ctrlPr>
                                       <a:rPr lang="en-US" sz="3600" i="1">
-                                        <a:latin typeface="Cambria Math" panose="02040503050406030204" pitchFamily="18" charset="0"/>
+                                        <a:latin typeface="Cambria Math"/>
                                         <a:ea typeface="Cambria Math"/>
                                       </a:rPr>
                                     </m:ctrlPr>
@@ -5447,7 +5450,7 @@
                                   <m:sSupPr>
                                     <m:ctrlPr>
                                       <a:rPr lang="en-US" sz="3600" i="1">
-                                        <a:latin typeface="Cambria Math" panose="02040503050406030204" pitchFamily="18" charset="0"/>
+                                        <a:latin typeface="Cambria Math"/>
                                         <a:ea typeface="Cambria Math"/>
                                       </a:rPr>
                                     </m:ctrlPr>
@@ -5489,7 +5492,7 @@
                           <m:endChr m:val="]"/>
                           <m:ctrlPr>
                             <a:rPr lang="en-US" sz="3600" i="1" smtClean="0">
-                              <a:latin typeface="Cambria Math" panose="02040503050406030204" pitchFamily="18" charset="0"/>
+                              <a:latin typeface="Cambria Math"/>
                             </a:rPr>
                           </m:ctrlPr>
                         </m:dPr>
@@ -5506,7 +5509,7 @@
                               </m:mcs>
                               <m:ctrlPr>
                                 <a:rPr lang="en-US" sz="3600" i="1">
-                                  <a:latin typeface="Cambria Math" panose="02040503050406030204" pitchFamily="18" charset="0"/>
+                                  <a:latin typeface="Cambria Math"/>
                                 </a:rPr>
                               </m:ctrlPr>
                             </m:mPr>
@@ -5516,7 +5519,7 @@
                                   <m:sSubSupPr>
                                     <m:ctrlPr>
                                       <a:rPr lang="en-US" sz="3600" i="1">
-                                        <a:latin typeface="Cambria Math" panose="02040503050406030204" pitchFamily="18" charset="0"/>
+                                        <a:latin typeface="Cambria Math"/>
                                       </a:rPr>
                                     </m:ctrlPr>
                                   </m:sSubSupPr>
@@ -5553,7 +5556,7 @@
                                   <m:sSubSupPr>
                                     <m:ctrlPr>
                                       <a:rPr lang="en-US" sz="3600" i="1">
-                                        <a:latin typeface="Cambria Math" panose="02040503050406030204" pitchFamily="18" charset="0"/>
+                                        <a:latin typeface="Cambria Math"/>
                                       </a:rPr>
                                     </m:ctrlPr>
                                   </m:sSubSupPr>
@@ -5590,7 +5593,7 @@
                                   <m:sSubSupPr>
                                     <m:ctrlPr>
                                       <a:rPr lang="en-US" sz="3600" i="1">
-                                        <a:latin typeface="Cambria Math" panose="02040503050406030204" pitchFamily="18" charset="0"/>
+                                        <a:latin typeface="Cambria Math"/>
                                       </a:rPr>
                                     </m:ctrlPr>
                                   </m:sSubSupPr>
@@ -5765,7 +5768,7 @@
                           <m:endChr m:val="]"/>
                           <m:ctrlPr>
                             <a:rPr lang="en-US" sz="3600" i="1" smtClean="0">
-                              <a:latin typeface="Cambria Math" panose="02040503050406030204" pitchFamily="18" charset="0"/>
+                              <a:latin typeface="Cambria Math"/>
                             </a:rPr>
                           </m:ctrlPr>
                         </m:dPr>
@@ -5782,7 +5785,7 @@
                               </m:mcs>
                               <m:ctrlPr>
                                 <a:rPr lang="en-US" sz="3600" i="1" smtClean="0">
-                                  <a:latin typeface="Cambria Math" panose="02040503050406030204" pitchFamily="18" charset="0"/>
+                                  <a:latin typeface="Cambria Math"/>
                                 </a:rPr>
                               </m:ctrlPr>
                             </m:mPr>
@@ -5792,7 +5795,7 @@
                                   <m:sSubSupPr>
                                     <m:ctrlPr>
                                       <a:rPr lang="en-US" sz="3600" i="1" smtClean="0">
-                                        <a:latin typeface="Cambria Math" panose="02040503050406030204" pitchFamily="18" charset="0"/>
+                                        <a:latin typeface="Cambria Math"/>
                                       </a:rPr>
                                     </m:ctrlPr>
                                   </m:sSubSupPr>
@@ -5835,7 +5838,7 @@
                                   <m:sSubSupPr>
                                     <m:ctrlPr>
                                       <a:rPr lang="en-US" sz="3600" i="1">
-                                        <a:latin typeface="Cambria Math" panose="02040503050406030204" pitchFamily="18" charset="0"/>
+                                        <a:latin typeface="Cambria Math"/>
                                       </a:rPr>
                                     </m:ctrlPr>
                                   </m:sSubSupPr>
@@ -5878,7 +5881,7 @@
                                   <m:sSubSupPr>
                                     <m:ctrlPr>
                                       <a:rPr lang="en-US" sz="3600" i="1">
-                                        <a:latin typeface="Cambria Math" panose="02040503050406030204" pitchFamily="18" charset="0"/>
+                                        <a:latin typeface="Cambria Math"/>
                                       </a:rPr>
                                     </m:ctrlPr>
                                   </m:sSubSupPr>
@@ -5930,7 +5933,7 @@
                           <m:endChr m:val="]"/>
                           <m:ctrlPr>
                             <a:rPr lang="en-US" sz="3600" i="1" smtClean="0">
-                              <a:latin typeface="Cambria Math" panose="02040503050406030204" pitchFamily="18" charset="0"/>
+                              <a:latin typeface="Cambria Math"/>
                               <a:ea typeface="Cambria Math"/>
                             </a:rPr>
                           </m:ctrlPr>
@@ -5948,7 +5951,7 @@
                               </m:mcs>
                               <m:ctrlPr>
                                 <a:rPr lang="en-US" sz="3600" i="1" smtClean="0">
-                                  <a:latin typeface="Cambria Math" panose="02040503050406030204" pitchFamily="18" charset="0"/>
+                                  <a:latin typeface="Cambria Math"/>
                                   <a:ea typeface="Cambria Math"/>
                                 </a:rPr>
                               </m:ctrlPr>
@@ -5959,7 +5962,7 @@
                                   <m:sSupPr>
                                     <m:ctrlPr>
                                       <a:rPr lang="en-US" sz="3600" i="1" smtClean="0">
-                                        <a:latin typeface="Cambria Math" panose="02040503050406030204" pitchFamily="18" charset="0"/>
+                                        <a:latin typeface="Cambria Math"/>
                                         <a:ea typeface="Cambria Math"/>
                                       </a:rPr>
                                     </m:ctrlPr>
@@ -5989,7 +5992,7 @@
                                   <m:sSupPr>
                                     <m:ctrlPr>
                                       <a:rPr lang="en-US" sz="3600" i="1">
-                                        <a:latin typeface="Cambria Math" panose="02040503050406030204" pitchFamily="18" charset="0"/>
+                                        <a:latin typeface="Cambria Math"/>
                                         <a:ea typeface="Cambria Math"/>
                                       </a:rPr>
                                     </m:ctrlPr>
@@ -6019,7 +6022,7 @@
                                   <m:sSupPr>
                                     <m:ctrlPr>
                                       <a:rPr lang="en-US" sz="3600" i="1">
-                                        <a:latin typeface="Cambria Math" panose="02040503050406030204" pitchFamily="18" charset="0"/>
+                                        <a:latin typeface="Cambria Math"/>
                                         <a:ea typeface="Cambria Math"/>
                                       </a:rPr>
                                     </m:ctrlPr>
@@ -6051,7 +6054,7 @@
                                   <m:sSupPr>
                                     <m:ctrlPr>
                                       <a:rPr lang="en-US" sz="3600" i="1">
-                                        <a:latin typeface="Cambria Math" panose="02040503050406030204" pitchFamily="18" charset="0"/>
+                                        <a:latin typeface="Cambria Math"/>
                                         <a:ea typeface="Cambria Math"/>
                                       </a:rPr>
                                     </m:ctrlPr>
@@ -6081,7 +6084,7 @@
                                   <m:sSupPr>
                                     <m:ctrlPr>
                                       <a:rPr lang="en-US" sz="3600" i="1">
-                                        <a:latin typeface="Cambria Math" panose="02040503050406030204" pitchFamily="18" charset="0"/>
+                                        <a:latin typeface="Cambria Math"/>
                                         <a:ea typeface="Cambria Math"/>
                                       </a:rPr>
                                     </m:ctrlPr>
@@ -6111,7 +6114,7 @@
                                   <m:sSupPr>
                                     <m:ctrlPr>
                                       <a:rPr lang="en-US" sz="3600" i="1">
-                                        <a:latin typeface="Cambria Math" panose="02040503050406030204" pitchFamily="18" charset="0"/>
+                                        <a:latin typeface="Cambria Math"/>
                                         <a:ea typeface="Cambria Math"/>
                                       </a:rPr>
                                     </m:ctrlPr>
@@ -6143,7 +6146,7 @@
                                   <m:sSupPr>
                                     <m:ctrlPr>
                                       <a:rPr lang="en-US" sz="3600" i="1">
-                                        <a:latin typeface="Cambria Math" panose="02040503050406030204" pitchFamily="18" charset="0"/>
+                                        <a:latin typeface="Cambria Math"/>
                                         <a:ea typeface="Cambria Math"/>
                                       </a:rPr>
                                     </m:ctrlPr>
@@ -6173,7 +6176,7 @@
                                   <m:sSupPr>
                                     <m:ctrlPr>
                                       <a:rPr lang="en-US" sz="3600" i="1">
-                                        <a:latin typeface="Cambria Math" panose="02040503050406030204" pitchFamily="18" charset="0"/>
+                                        <a:latin typeface="Cambria Math"/>
                                         <a:ea typeface="Cambria Math"/>
                                       </a:rPr>
                                     </m:ctrlPr>
@@ -6203,7 +6206,7 @@
                                   <m:sSupPr>
                                     <m:ctrlPr>
                                       <a:rPr lang="en-US" sz="3600" i="1">
-                                        <a:latin typeface="Cambria Math" panose="02040503050406030204" pitchFamily="18" charset="0"/>
+                                        <a:latin typeface="Cambria Math"/>
                                         <a:ea typeface="Cambria Math"/>
                                       </a:rPr>
                                     </m:ctrlPr>
@@ -6245,7 +6248,7 @@
                           <m:endChr m:val="]"/>
                           <m:ctrlPr>
                             <a:rPr lang="en-US" sz="3600" i="1" smtClean="0">
-                              <a:latin typeface="Cambria Math" panose="02040503050406030204" pitchFamily="18" charset="0"/>
+                              <a:latin typeface="Cambria Math"/>
                             </a:rPr>
                           </m:ctrlPr>
                         </m:dPr>
@@ -6262,7 +6265,7 @@
                               </m:mcs>
                               <m:ctrlPr>
                                 <a:rPr lang="en-US" sz="3600" i="1">
-                                  <a:latin typeface="Cambria Math" panose="02040503050406030204" pitchFamily="18" charset="0"/>
+                                  <a:latin typeface="Cambria Math"/>
                                 </a:rPr>
                               </m:ctrlPr>
                             </m:mPr>
@@ -6272,7 +6275,7 @@
                                   <m:sSubSupPr>
                                     <m:ctrlPr>
                                       <a:rPr lang="en-US" sz="3600" i="1">
-                                        <a:latin typeface="Cambria Math" panose="02040503050406030204" pitchFamily="18" charset="0"/>
+                                        <a:latin typeface="Cambria Math"/>
                                       </a:rPr>
                                     </m:ctrlPr>
                                   </m:sSubSupPr>
@@ -6309,7 +6312,7 @@
                                   <m:sSubSupPr>
                                     <m:ctrlPr>
                                       <a:rPr lang="en-US" sz="3600" i="1">
-                                        <a:latin typeface="Cambria Math" panose="02040503050406030204" pitchFamily="18" charset="0"/>
+                                        <a:latin typeface="Cambria Math"/>
                                       </a:rPr>
                                     </m:ctrlPr>
                                   </m:sSubSupPr>
@@ -6346,7 +6349,7 @@
                                   <m:sSubSupPr>
                                     <m:ctrlPr>
                                       <a:rPr lang="en-US" sz="3600" i="1">
-                                        <a:latin typeface="Cambria Math" panose="02040503050406030204" pitchFamily="18" charset="0"/>
+                                        <a:latin typeface="Cambria Math"/>
                                       </a:rPr>
                                     </m:ctrlPr>
                                   </m:sSubSupPr>
@@ -6456,7 +6459,7 @@
                       <m:sSubSupPr>
                         <m:ctrlPr>
                           <a:rPr lang="en-US" sz="2800" i="1" smtClean="0">
-                            <a:latin typeface="Cambria Math" panose="02040503050406030204" pitchFamily="18" charset="0"/>
+                            <a:latin typeface="Cambria Math"/>
                           </a:rPr>
                         </m:ctrlPr>
                       </m:sSubSupPr>
@@ -6503,7 +6506,7 @@
                       <m:sSubSupPr>
                         <m:ctrlPr>
                           <a:rPr lang="en-US" sz="2800" i="1">
-                            <a:latin typeface="Cambria Math" panose="02040503050406030204" pitchFamily="18" charset="0"/>
+                            <a:latin typeface="Cambria Math"/>
                           </a:rPr>
                         </m:ctrlPr>
                       </m:sSubSupPr>
@@ -6536,7 +6539,7 @@
                       <m:sSupPr>
                         <m:ctrlPr>
                           <a:rPr lang="en-US" sz="2800" i="1">
-                            <a:latin typeface="Cambria Math" panose="02040503050406030204" pitchFamily="18" charset="0"/>
+                            <a:latin typeface="Cambria Math"/>
                             <a:ea typeface="Cambria Math"/>
                           </a:rPr>
                         </m:ctrlPr>
@@ -6571,7 +6574,7 @@
                       <m:sSubSupPr>
                         <m:ctrlPr>
                           <a:rPr lang="en-US" sz="2800" i="1">
-                            <a:latin typeface="Cambria Math" panose="02040503050406030204" pitchFamily="18" charset="0"/>
+                            <a:latin typeface="Cambria Math"/>
                           </a:rPr>
                         </m:ctrlPr>
                       </m:sSubSupPr>
@@ -6604,7 +6607,7 @@
                       <m:sSupPr>
                         <m:ctrlPr>
                           <a:rPr lang="en-US" sz="2800" i="1" smtClean="0">
-                            <a:latin typeface="Cambria Math" panose="02040503050406030204" pitchFamily="18" charset="0"/>
+                            <a:latin typeface="Cambria Math"/>
                           </a:rPr>
                         </m:ctrlPr>
                       </m:sSupPr>
@@ -6636,7 +6639,7 @@
                       <m:sSubSupPr>
                         <m:ctrlPr>
                           <a:rPr lang="en-US" sz="2800" i="1">
-                            <a:latin typeface="Cambria Math" panose="02040503050406030204" pitchFamily="18" charset="0"/>
+                            <a:latin typeface="Cambria Math"/>
                           </a:rPr>
                         </m:ctrlPr>
                       </m:sSubSupPr>
@@ -6669,7 +6672,7 @@
                       <m:sSupPr>
                         <m:ctrlPr>
                           <a:rPr lang="en-US" sz="2800" i="1">
-                            <a:latin typeface="Cambria Math" panose="02040503050406030204" pitchFamily="18" charset="0"/>
+                            <a:latin typeface="Cambria Math"/>
                           </a:rPr>
                         </m:ctrlPr>
                       </m:sSupPr>
@@ -6765,7 +6768,7 @@
                       <m:sSubSupPr>
                         <m:ctrlPr>
                           <a:rPr lang="en-US" sz="2800" i="1" smtClean="0">
-                            <a:latin typeface="Cambria Math" panose="02040503050406030204" pitchFamily="18" charset="0"/>
+                            <a:latin typeface="Cambria Math"/>
                           </a:rPr>
                         </m:ctrlPr>
                       </m:sSubSupPr>
@@ -6812,7 +6815,7 @@
                       <m:sSubSupPr>
                         <m:ctrlPr>
                           <a:rPr lang="en-US" sz="2800" i="1">
-                            <a:latin typeface="Cambria Math" panose="02040503050406030204" pitchFamily="18" charset="0"/>
+                            <a:latin typeface="Cambria Math"/>
                           </a:rPr>
                         </m:ctrlPr>
                       </m:sSubSupPr>
@@ -6845,7 +6848,7 @@
                       <m:sSupPr>
                         <m:ctrlPr>
                           <a:rPr lang="en-US" sz="2800" i="1">
-                            <a:latin typeface="Cambria Math" panose="02040503050406030204" pitchFamily="18" charset="0"/>
+                            <a:latin typeface="Cambria Math"/>
                             <a:ea typeface="Cambria Math"/>
                           </a:rPr>
                         </m:ctrlPr>
@@ -6880,7 +6883,7 @@
                       <m:sSubSupPr>
                         <m:ctrlPr>
                           <a:rPr lang="en-US" sz="2800" i="1">
-                            <a:latin typeface="Cambria Math" panose="02040503050406030204" pitchFamily="18" charset="0"/>
+                            <a:latin typeface="Cambria Math"/>
                           </a:rPr>
                         </m:ctrlPr>
                       </m:sSubSupPr>
@@ -6913,7 +6916,7 @@
                       <m:sSupPr>
                         <m:ctrlPr>
                           <a:rPr lang="en-US" sz="2800" i="1">
-                            <a:latin typeface="Cambria Math" panose="02040503050406030204" pitchFamily="18" charset="0"/>
+                            <a:latin typeface="Cambria Math"/>
                           </a:rPr>
                         </m:ctrlPr>
                       </m:sSupPr>
@@ -6945,7 +6948,7 @@
                       <m:sSubSupPr>
                         <m:ctrlPr>
                           <a:rPr lang="en-US" sz="2800" i="1">
-                            <a:latin typeface="Cambria Math" panose="02040503050406030204" pitchFamily="18" charset="0"/>
+                            <a:latin typeface="Cambria Math"/>
                           </a:rPr>
                         </m:ctrlPr>
                       </m:sSubSupPr>
@@ -6978,7 +6981,7 @@
                       <m:sSupPr>
                         <m:ctrlPr>
                           <a:rPr lang="en-US" sz="2800" i="1">
-                            <a:latin typeface="Cambria Math" panose="02040503050406030204" pitchFamily="18" charset="0"/>
+                            <a:latin typeface="Cambria Math"/>
                           </a:rPr>
                         </m:ctrlPr>
                       </m:sSupPr>
@@ -7074,7 +7077,7 @@
                       <m:sSubSupPr>
                         <m:ctrlPr>
                           <a:rPr lang="en-US" sz="2800" i="1" smtClean="0">
-                            <a:latin typeface="Cambria Math" panose="02040503050406030204" pitchFamily="18" charset="0"/>
+                            <a:latin typeface="Cambria Math"/>
                           </a:rPr>
                         </m:ctrlPr>
                       </m:sSubSupPr>
@@ -7121,7 +7124,7 @@
                       <m:sSubSupPr>
                         <m:ctrlPr>
                           <a:rPr lang="en-US" sz="2800" i="1">
-                            <a:latin typeface="Cambria Math" panose="02040503050406030204" pitchFamily="18" charset="0"/>
+                            <a:latin typeface="Cambria Math"/>
                           </a:rPr>
                         </m:ctrlPr>
                       </m:sSubSupPr>
@@ -7154,7 +7157,7 @@
                       <m:sSupPr>
                         <m:ctrlPr>
                           <a:rPr lang="en-US" sz="2800" i="1">
-                            <a:latin typeface="Cambria Math" panose="02040503050406030204" pitchFamily="18" charset="0"/>
+                            <a:latin typeface="Cambria Math"/>
                             <a:ea typeface="Cambria Math"/>
                           </a:rPr>
                         </m:ctrlPr>
@@ -7189,7 +7192,7 @@
                       <m:sSubSupPr>
                         <m:ctrlPr>
                           <a:rPr lang="en-US" sz="2800" i="1">
-                            <a:latin typeface="Cambria Math" panose="02040503050406030204" pitchFamily="18" charset="0"/>
+                            <a:latin typeface="Cambria Math"/>
                           </a:rPr>
                         </m:ctrlPr>
                       </m:sSubSupPr>
@@ -7222,7 +7225,7 @@
                       <m:sSupPr>
                         <m:ctrlPr>
                           <a:rPr lang="en-US" sz="2800" i="1">
-                            <a:latin typeface="Cambria Math" panose="02040503050406030204" pitchFamily="18" charset="0"/>
+                            <a:latin typeface="Cambria Math"/>
                           </a:rPr>
                         </m:ctrlPr>
                       </m:sSupPr>
@@ -7254,7 +7257,7 @@
                       <m:sSubSupPr>
                         <m:ctrlPr>
                           <a:rPr lang="en-US" sz="2800" i="1">
-                            <a:latin typeface="Cambria Math" panose="02040503050406030204" pitchFamily="18" charset="0"/>
+                            <a:latin typeface="Cambria Math"/>
                           </a:rPr>
                         </m:ctrlPr>
                       </m:sSubSupPr>
@@ -7287,7 +7290,7 @@
                       <m:sSupPr>
                         <m:ctrlPr>
                           <a:rPr lang="en-US" sz="2800" i="1">
-                            <a:latin typeface="Cambria Math" panose="02040503050406030204" pitchFamily="18" charset="0"/>
+                            <a:latin typeface="Cambria Math"/>
                           </a:rPr>
                         </m:ctrlPr>
                       </m:sSupPr>
@@ -7530,10 +7533,10 @@
         </p:nvGrpSpPr>
         <p:grpSpPr>
           <a:xfrm>
-            <a:off x="3477490" y="1690688"/>
-            <a:ext cx="4160982" cy="4481947"/>
-            <a:chOff x="1981200" y="1018309"/>
-            <a:chExt cx="4876800" cy="5611091"/>
+            <a:off x="2934269" y="1690688"/>
+            <a:ext cx="4704203" cy="4481947"/>
+            <a:chOff x="1344528" y="1018309"/>
+            <a:chExt cx="5513472" cy="5611091"/>
           </a:xfrm>
         </p:grpSpPr>
         <p:sp>
@@ -7544,8 +7547,8 @@
           </p:nvSpPr>
           <p:spPr>
             <a:xfrm>
-              <a:off x="1981200" y="1475509"/>
-              <a:ext cx="1524000" cy="1600200"/>
+              <a:off x="1744419" y="1475509"/>
+              <a:ext cx="1760782" cy="1600200"/>
             </a:xfrm>
             <a:prstGeom prst="ellipse">
               <a:avLst/>
@@ -7638,8 +7641,8 @@
           </p:nvCxnSpPr>
           <p:spPr>
             <a:xfrm>
-              <a:off x="3505200" y="2275609"/>
-              <a:ext cx="1143000" cy="0"/>
+              <a:off x="3505201" y="2275610"/>
+              <a:ext cx="1142999" cy="0"/>
             </a:xfrm>
             <a:prstGeom prst="straightConnector1">
               <a:avLst/>
@@ -7702,7 +7705,7 @@
           <p:spPr>
             <a:xfrm>
               <a:off x="4857750" y="1032164"/>
-              <a:ext cx="1104900" cy="369332"/>
+              <a:ext cx="1445414" cy="462378"/>
             </a:xfrm>
             <a:prstGeom prst="rect">
               <a:avLst/>
@@ -7731,8 +7734,8 @@
           </p:nvSpPr>
           <p:spPr>
             <a:xfrm>
-              <a:off x="1981200" y="3685309"/>
-              <a:ext cx="1650860" cy="1877291"/>
+              <a:off x="1344528" y="3685309"/>
+              <a:ext cx="2287532" cy="1877291"/>
             </a:xfrm>
             <a:prstGeom prst="roundRect">
               <a:avLst/>
@@ -7784,8 +7787,8 @@
           </p:nvCxnSpPr>
           <p:spPr>
             <a:xfrm flipV="1">
-              <a:off x="2806630" y="2275609"/>
-              <a:ext cx="1155770" cy="1409700"/>
+              <a:off x="2488294" y="2275609"/>
+              <a:ext cx="1474106" cy="1409700"/>
             </a:xfrm>
             <a:prstGeom prst="straightConnector1">
               <a:avLst/>
@@ -9641,7 +9644,7 @@
         </p:blipFill>
         <p:spPr bwMode="auto">
           <a:xfrm>
-            <a:off x="2971801" y="2087672"/>
+            <a:off x="2835321" y="1923896"/>
             <a:ext cx="3086805" cy="3086805"/>
           </a:xfrm>
           <a:prstGeom prst="rect">
@@ -9695,7 +9698,7 @@
         </p:blipFill>
         <p:spPr bwMode="auto">
           <a:xfrm>
-            <a:off x="6477001" y="2133601"/>
+            <a:off x="6340521" y="1969825"/>
             <a:ext cx="3163005" cy="3167063"/>
           </a:xfrm>
           <a:prstGeom prst="rect">
@@ -9744,7 +9747,7 @@
         </p:nvSpPr>
         <p:spPr>
           <a:xfrm>
-            <a:off x="4239493" y="5375564"/>
+            <a:off x="4103013" y="5211788"/>
             <a:ext cx="387927" cy="584775"/>
           </a:xfrm>
           <a:prstGeom prst="rect">
@@ -9773,7 +9776,7 @@
         </p:nvSpPr>
         <p:spPr>
           <a:xfrm>
-            <a:off x="8003087" y="5375564"/>
+            <a:off x="7866607" y="5211788"/>
             <a:ext cx="387927" cy="584775"/>
           </a:xfrm>
           <a:prstGeom prst="rect">
@@ -9799,7 +9802,7 @@
           <p:cNvPr id="4" name="TextBox 3">
             <a:extLst>
               <a:ext uri="{FF2B5EF4-FFF2-40B4-BE49-F238E27FC236}">
-                <a16:creationId xmlns:a16="http://schemas.microsoft.com/office/drawing/2014/main" id="{0A08E54F-06E3-4362-ACC9-2EFD37C8FAFD}"/>
+                <a16:creationId xmlns:a16="http://schemas.microsoft.com/office/drawing/2014/main" xmlns="" id="{0A08E54F-06E3-4362-ACC9-2EFD37C8FAFD}"/>
               </a:ext>
             </a:extLst>
           </p:cNvPr>
@@ -9809,7 +9812,7 @@
         <p:spPr>
           <a:xfrm>
             <a:off x="512618" y="380918"/>
-            <a:ext cx="10808523" cy="1938992"/>
+            <a:ext cx="10808523" cy="646331"/>
           </a:xfrm>
           <a:prstGeom prst="rect">
             <a:avLst/>
@@ -9831,39 +9834,10 @@
               <a:t>P</a:t>
             </a:r>
             <a:r>
-              <a:rPr lang="en-US" sz="3600" dirty="0"/>
+              <a:rPr lang="en-US" sz="3600" dirty="0" smtClean="0"/>
               <a:t>)</a:t>
             </a:r>
-          </a:p>
-          <a:p>
-            <a:pPr marL="457200" indent="-457200">
-              <a:buFont typeface="Arial" panose="020B0604020202020204" pitchFamily="34" charset="0"/>
-              <a:buChar char="•"/>
-            </a:pPr>
-            <a:r>
-              <a:rPr lang="en-US" sz="2800" dirty="0"/>
-              <a:t>Estimated from analysis of presence/absence data</a:t>
-            </a:r>
-          </a:p>
-          <a:p>
-            <a:pPr marL="457200" indent="-457200">
-              <a:buFont typeface="Arial" panose="020B0604020202020204" pitchFamily="34" charset="0"/>
-              <a:buChar char="•"/>
-            </a:pPr>
-            <a:r>
-              <a:rPr lang="en-US" sz="2800" dirty="0"/>
-              <a:t>Borrowed from the literature</a:t>
-            </a:r>
-          </a:p>
-          <a:p>
-            <a:pPr marL="457200" indent="-457200">
-              <a:buFont typeface="Arial" panose="020B0604020202020204" pitchFamily="34" charset="0"/>
-              <a:buChar char="•"/>
-            </a:pPr>
-            <a:r>
-              <a:rPr lang="en-US" sz="2800" dirty="0"/>
-              <a:t>Expert elicitation</a:t>
-            </a:r>
+            <a:endParaRPr lang="en-US" sz="3600" dirty="0"/>
           </a:p>
         </p:txBody>
       </p:sp>
@@ -15154,8 +15128,8 @@
           </a:p>
         </p:txBody>
       </p:sp>
-      <mc:AlternateContent xmlns:mc="http://schemas.openxmlformats.org/markup-compatibility/2006">
-        <mc:Choice xmlns:a14="http://schemas.microsoft.com/office/drawing/2010/main" Requires="a14">
+      <mc:AlternateContent xmlns:mc="http://schemas.openxmlformats.org/markup-compatibility/2006" xmlns:a14="http://schemas.microsoft.com/office/drawing/2010/main">
+        <mc:Choice Requires="a14">
           <p:sp>
             <p:nvSpPr>
               <p:cNvPr id="16" name="TextBox 15"/>
@@ -15202,7 +15176,7 @@
             </p:txBody>
           </p:sp>
         </mc:Choice>
-        <mc:Fallback>
+        <mc:Fallback xmlns="">
           <p:sp>
             <p:nvSpPr>
               <p:cNvPr id="16" name="TextBox 15"/>
@@ -15411,8 +15385,8 @@
           </a:fontRef>
         </p:style>
       </p:cxnSp>
-      <mc:AlternateContent xmlns:mc="http://schemas.openxmlformats.org/markup-compatibility/2006">
-        <mc:Choice xmlns:a14="http://schemas.microsoft.com/office/drawing/2010/main" Requires="a14">
+      <mc:AlternateContent xmlns:mc="http://schemas.openxmlformats.org/markup-compatibility/2006" xmlns:a14="http://schemas.microsoft.com/office/drawing/2010/main">
+        <mc:Choice Requires="a14">
           <p:sp>
             <p:nvSpPr>
               <p:cNvPr id="7" name="TextBox 6"/>
@@ -15446,7 +15420,7 @@
                         <m:sSubSupPr>
                           <m:ctrlPr>
                             <a:rPr lang="en-US" sz="2400" i="1" smtClean="0">
-                              <a:latin typeface="Cambria Math" panose="02040503050406030204" pitchFamily="18" charset="0"/>
+                              <a:latin typeface="Cambria Math"/>
                             </a:rPr>
                           </m:ctrlPr>
                         </m:sSubSupPr>
@@ -15483,7 +15457,7 @@
             </p:txBody>
           </p:sp>
         </mc:Choice>
-        <mc:Fallback>
+        <mc:Fallback xmlns="">
           <p:sp>
             <p:nvSpPr>
               <p:cNvPr id="7" name="TextBox 6"/>
@@ -15522,8 +15496,8 @@
           </p:sp>
         </mc:Fallback>
       </mc:AlternateContent>
-      <mc:AlternateContent xmlns:mc="http://schemas.openxmlformats.org/markup-compatibility/2006">
-        <mc:Choice xmlns:a14="http://schemas.microsoft.com/office/drawing/2010/main" Requires="a14">
+      <mc:AlternateContent xmlns:mc="http://schemas.openxmlformats.org/markup-compatibility/2006" xmlns:a14="http://schemas.microsoft.com/office/drawing/2010/main">
+        <mc:Choice Requires="a14">
           <p:sp>
             <p:nvSpPr>
               <p:cNvPr id="20" name="TextBox 19"/>
@@ -15557,7 +15531,7 @@
                         <m:sSubSupPr>
                           <m:ctrlPr>
                             <a:rPr lang="en-US" sz="2400" i="1" smtClean="0">
-                              <a:latin typeface="Cambria Math" panose="02040503050406030204" pitchFamily="18" charset="0"/>
+                              <a:latin typeface="Cambria Math"/>
                             </a:rPr>
                           </m:ctrlPr>
                         </m:sSubSupPr>
@@ -15594,7 +15568,7 @@
             </p:txBody>
           </p:sp>
         </mc:Choice>
-        <mc:Fallback>
+        <mc:Fallback xmlns="">
           <p:sp>
             <p:nvSpPr>
               <p:cNvPr id="20" name="TextBox 19"/>
@@ -15633,8 +15607,8 @@
           </p:sp>
         </mc:Fallback>
       </mc:AlternateContent>
-      <mc:AlternateContent xmlns:mc="http://schemas.openxmlformats.org/markup-compatibility/2006">
-        <mc:Choice xmlns:a14="http://schemas.microsoft.com/office/drawing/2010/main" Requires="a14">
+      <mc:AlternateContent xmlns:mc="http://schemas.openxmlformats.org/markup-compatibility/2006" xmlns:a14="http://schemas.microsoft.com/office/drawing/2010/main">
+        <mc:Choice Requires="a14">
           <p:sp>
             <p:nvSpPr>
               <p:cNvPr id="21" name="TextBox 20"/>
@@ -15668,7 +15642,7 @@
                         <m:sSubSupPr>
                           <m:ctrlPr>
                             <a:rPr lang="en-US" sz="2400" i="1" smtClean="0">
-                              <a:latin typeface="Cambria Math" panose="02040503050406030204" pitchFamily="18" charset="0"/>
+                              <a:latin typeface="Cambria Math"/>
                             </a:rPr>
                           </m:ctrlPr>
                         </m:sSubSupPr>
@@ -15711,7 +15685,7 @@
             </p:txBody>
           </p:sp>
         </mc:Choice>
-        <mc:Fallback>
+        <mc:Fallback xmlns="">
           <p:sp>
             <p:nvSpPr>
               <p:cNvPr id="21" name="TextBox 20"/>
@@ -15750,8 +15724,8 @@
           </p:sp>
         </mc:Fallback>
       </mc:AlternateContent>
-      <mc:AlternateContent xmlns:mc="http://schemas.openxmlformats.org/markup-compatibility/2006">
-        <mc:Choice xmlns:a14="http://schemas.microsoft.com/office/drawing/2010/main" Requires="a14">
+      <mc:AlternateContent xmlns:mc="http://schemas.openxmlformats.org/markup-compatibility/2006" xmlns:a14="http://schemas.microsoft.com/office/drawing/2010/main">
+        <mc:Choice Requires="a14">
           <p:sp>
             <p:nvSpPr>
               <p:cNvPr id="8" name="TextBox 7"/>
@@ -15788,7 +15762,7 @@
                           <m:supHide m:val="on"/>
                           <m:ctrlPr>
                             <a:rPr lang="en-US" sz="2400" i="1" smtClean="0">
-                              <a:latin typeface="Cambria Math" panose="02040503050406030204" pitchFamily="18" charset="0"/>
+                              <a:latin typeface="Cambria Math"/>
                             </a:rPr>
                           </m:ctrlPr>
                         </m:naryPr>
@@ -15799,7 +15773,7 @@
                             <m:sSubSupPr>
                               <m:ctrlPr>
                                 <a:rPr lang="en-US" sz="2400" i="1" smtClean="0">
-                                  <a:latin typeface="Cambria Math" panose="02040503050406030204" pitchFamily="18" charset="0"/>
+                                  <a:latin typeface="Cambria Math"/>
                                 </a:rPr>
                               </m:ctrlPr>
                             </m:sSubSupPr>
@@ -15856,7 +15830,7 @@
             </p:txBody>
           </p:sp>
         </mc:Choice>
-        <mc:Fallback>
+        <mc:Fallback xmlns="">
           <p:sp>
             <p:nvSpPr>
               <p:cNvPr id="8" name="TextBox 7"/>
@@ -15900,7 +15874,7 @@
           <p:cNvPr id="28" name="Straight Arrow Connector 27">
             <a:extLst>
               <a:ext uri="{FF2B5EF4-FFF2-40B4-BE49-F238E27FC236}">
-                <a16:creationId xmlns:a16="http://schemas.microsoft.com/office/drawing/2014/main" id="{9CE3AC26-23A5-4C23-A017-51DEDA290C29}"/>
+                <a16:creationId xmlns:a16="http://schemas.microsoft.com/office/drawing/2014/main" xmlns="" id="{9CE3AC26-23A5-4C23-A017-51DEDA290C29}"/>
               </a:ext>
             </a:extLst>
           </p:cNvPr>
@@ -16394,7 +16368,7 @@
   <a:extraClrSchemeLst/>
   <a:extLst>
     <a:ext uri="{05A4C25C-085E-4340-85A3-A5531E510DB2}">
-      <thm15:themeFamily xmlns:thm15="http://schemas.microsoft.com/office/thememl/2012/main" name="Office Theme" id="{62F939B6-93AF-4DB8-9C6B-D6C7DFDC589F}" vid="{4A3C46E8-61CC-4603-A589-7422A47A8E4A}"/>
+      <thm15:themeFamily xmlns:thm15="http://schemas.microsoft.com/office/thememl/2012/main" xmlns="" name="Office Theme" id="{62F939B6-93AF-4DB8-9C6B-D6C7DFDC589F}" vid="{4A3C46E8-61CC-4603-A589-7422A47A8E4A}"/>
     </a:ext>
   </a:extLst>
 </a:theme>
@@ -16689,7 +16663,7 @@
   <a:extraClrSchemeLst/>
   <a:extLst>
     <a:ext uri="{05A4C25C-085E-4340-85A3-A5531E510DB2}">
-      <thm15:themeFamily xmlns:thm15="http://schemas.microsoft.com/office/thememl/2012/main" name="Office Theme" id="{62F939B6-93AF-4DB8-9C6B-D6C7DFDC589F}" vid="{4A3C46E8-61CC-4603-A589-7422A47A8E4A}"/>
+      <thm15:themeFamily xmlns:thm15="http://schemas.microsoft.com/office/thememl/2012/main" xmlns="" name="Office Theme" id="{62F939B6-93AF-4DB8-9C6B-D6C7DFDC589F}" vid="{4A3C46E8-61CC-4603-A589-7422A47A8E4A}"/>
     </a:ext>
   </a:extLst>
 </a:theme>
